--- a/Mock_Up.pptx
+++ b/Mock_Up.pptx
@@ -10,6 +10,11 @@
     <p:sldId id="258" r:id="rId4"/>
     <p:sldId id="259" r:id="rId5"/>
     <p:sldId id="260" r:id="rId6"/>
+    <p:sldId id="261" r:id="rId7"/>
+    <p:sldId id="262" r:id="rId8"/>
+    <p:sldId id="263" r:id="rId9"/>
+    <p:sldId id="264" r:id="rId10"/>
+    <p:sldId id="265" r:id="rId11"/>
   </p:sldIdLst>
   <p:sldSz cx="12192000" cy="6858000"/>
   <p:notesSz cx="6858000" cy="9144000"/>
@@ -108,6 +113,11 @@
       </a:defRPr>
     </a:lvl9pPr>
   </p:defaultTextStyle>
+  <p:extLst>
+    <p:ext uri="{EFAFB233-063F-42B5-8137-9DF3F51BA10A}">
+      <p15:sldGuideLst xmlns:p15="http://schemas.microsoft.com/office/powerpoint/2012/main"/>
+    </p:ext>
+  </p:extLst>
 </p:presentation>
 </file>
 
@@ -153,10 +163,9 @@
           </a:lstStyle>
           <a:p>
             <a:r>
-              <a:rPr lang="en-US" smtClean="0"/>
+              <a:rPr lang="en-US"/>
               <a:t>Click to edit Master title style</a:t>
             </a:r>
-            <a:endParaRPr lang="en-US"/>
           </a:p>
         </p:txBody>
       </p:sp>
@@ -218,10 +227,9 @@
           </a:lstStyle>
           <a:p>
             <a:r>
-              <a:rPr lang="en-US" smtClean="0"/>
+              <a:rPr lang="en-US"/>
               <a:t>Click to edit Master subtitle style</a:t>
             </a:r>
-            <a:endParaRPr lang="en-US"/>
           </a:p>
         </p:txBody>
       </p:sp>
@@ -242,7 +250,7 @@
           <a:p>
             <a:fld id="{14267557-AD8A-420F-B5EB-F302264C3D73}" type="datetimeFigureOut">
               <a:rPr lang="en-US" smtClean="0"/>
-              <a:t>11/16/2020</a:t>
+              <a:t>2/2/2021</a:t>
             </a:fld>
             <a:endParaRPr lang="en-US"/>
           </a:p>
@@ -336,10 +344,9 @@
           <a:lstStyle/>
           <a:p>
             <a:r>
-              <a:rPr lang="en-US" smtClean="0"/>
+              <a:rPr lang="en-US"/>
               <a:t>Click to edit Master title style</a:t>
             </a:r>
-            <a:endParaRPr lang="en-US"/>
           </a:p>
         </p:txBody>
       </p:sp>
@@ -360,38 +367,37 @@
           <a:p>
             <a:pPr lvl="0"/>
             <a:r>
-              <a:rPr lang="en-US" smtClean="0"/>
+              <a:rPr lang="en-US"/>
               <a:t>Click to edit Master text styles</a:t>
             </a:r>
           </a:p>
           <a:p>
             <a:pPr lvl="1"/>
             <a:r>
-              <a:rPr lang="en-US" smtClean="0"/>
+              <a:rPr lang="en-US"/>
               <a:t>Second level</a:t>
             </a:r>
           </a:p>
           <a:p>
             <a:pPr lvl="2"/>
             <a:r>
-              <a:rPr lang="en-US" smtClean="0"/>
+              <a:rPr lang="en-US"/>
               <a:t>Third level</a:t>
             </a:r>
           </a:p>
           <a:p>
             <a:pPr lvl="3"/>
             <a:r>
-              <a:rPr lang="en-US" smtClean="0"/>
+              <a:rPr lang="en-US"/>
               <a:t>Fourth level</a:t>
             </a:r>
           </a:p>
           <a:p>
             <a:pPr lvl="4"/>
             <a:r>
-              <a:rPr lang="en-US" smtClean="0"/>
+              <a:rPr lang="en-US"/>
               <a:t>Fifth level</a:t>
             </a:r>
-            <a:endParaRPr lang="en-US"/>
           </a:p>
         </p:txBody>
       </p:sp>
@@ -412,7 +418,7 @@
           <a:p>
             <a:fld id="{14267557-AD8A-420F-B5EB-F302264C3D73}" type="datetimeFigureOut">
               <a:rPr lang="en-US" smtClean="0"/>
-              <a:t>11/16/2020</a:t>
+              <a:t>2/2/2021</a:t>
             </a:fld>
             <a:endParaRPr lang="en-US"/>
           </a:p>
@@ -511,10 +517,9 @@
           <a:lstStyle/>
           <a:p>
             <a:r>
-              <a:rPr lang="en-US" smtClean="0"/>
+              <a:rPr lang="en-US"/>
               <a:t>Click to edit Master title style</a:t>
             </a:r>
-            <a:endParaRPr lang="en-US"/>
           </a:p>
         </p:txBody>
       </p:sp>
@@ -540,38 +545,37 @@
           <a:p>
             <a:pPr lvl="0"/>
             <a:r>
-              <a:rPr lang="en-US" smtClean="0"/>
+              <a:rPr lang="en-US"/>
               <a:t>Click to edit Master text styles</a:t>
             </a:r>
           </a:p>
           <a:p>
             <a:pPr lvl="1"/>
             <a:r>
-              <a:rPr lang="en-US" smtClean="0"/>
+              <a:rPr lang="en-US"/>
               <a:t>Second level</a:t>
             </a:r>
           </a:p>
           <a:p>
             <a:pPr lvl="2"/>
             <a:r>
-              <a:rPr lang="en-US" smtClean="0"/>
+              <a:rPr lang="en-US"/>
               <a:t>Third level</a:t>
             </a:r>
           </a:p>
           <a:p>
             <a:pPr lvl="3"/>
             <a:r>
-              <a:rPr lang="en-US" smtClean="0"/>
+              <a:rPr lang="en-US"/>
               <a:t>Fourth level</a:t>
             </a:r>
           </a:p>
           <a:p>
             <a:pPr lvl="4"/>
             <a:r>
-              <a:rPr lang="en-US" smtClean="0"/>
+              <a:rPr lang="en-US"/>
               <a:t>Fifth level</a:t>
             </a:r>
-            <a:endParaRPr lang="en-US"/>
           </a:p>
         </p:txBody>
       </p:sp>
@@ -592,7 +596,7 @@
           <a:p>
             <a:fld id="{14267557-AD8A-420F-B5EB-F302264C3D73}" type="datetimeFigureOut">
               <a:rPr lang="en-US" smtClean="0"/>
-              <a:t>11/16/2020</a:t>
+              <a:t>2/2/2021</a:t>
             </a:fld>
             <a:endParaRPr lang="en-US"/>
           </a:p>
@@ -686,10 +690,9 @@
           <a:lstStyle/>
           <a:p>
             <a:r>
-              <a:rPr lang="en-US" smtClean="0"/>
+              <a:rPr lang="en-US"/>
               <a:t>Click to edit Master title style</a:t>
             </a:r>
-            <a:endParaRPr lang="en-US"/>
           </a:p>
         </p:txBody>
       </p:sp>
@@ -710,38 +713,37 @@
           <a:p>
             <a:pPr lvl="0"/>
             <a:r>
-              <a:rPr lang="en-US" smtClean="0"/>
+              <a:rPr lang="en-US"/>
               <a:t>Click to edit Master text styles</a:t>
             </a:r>
           </a:p>
           <a:p>
             <a:pPr lvl="1"/>
             <a:r>
-              <a:rPr lang="en-US" smtClean="0"/>
+              <a:rPr lang="en-US"/>
               <a:t>Second level</a:t>
             </a:r>
           </a:p>
           <a:p>
             <a:pPr lvl="2"/>
             <a:r>
-              <a:rPr lang="en-US" smtClean="0"/>
+              <a:rPr lang="en-US"/>
               <a:t>Third level</a:t>
             </a:r>
           </a:p>
           <a:p>
             <a:pPr lvl="3"/>
             <a:r>
-              <a:rPr lang="en-US" smtClean="0"/>
+              <a:rPr lang="en-US"/>
               <a:t>Fourth level</a:t>
             </a:r>
           </a:p>
           <a:p>
             <a:pPr lvl="4"/>
             <a:r>
-              <a:rPr lang="en-US" smtClean="0"/>
+              <a:rPr lang="en-US"/>
               <a:t>Fifth level</a:t>
             </a:r>
-            <a:endParaRPr lang="en-US"/>
           </a:p>
         </p:txBody>
       </p:sp>
@@ -762,7 +764,7 @@
           <a:p>
             <a:fld id="{14267557-AD8A-420F-B5EB-F302264C3D73}" type="datetimeFigureOut">
               <a:rPr lang="en-US" smtClean="0"/>
-              <a:t>11/16/2020</a:t>
+              <a:t>2/2/2021</a:t>
             </a:fld>
             <a:endParaRPr lang="en-US"/>
           </a:p>
@@ -865,10 +867,9 @@
           </a:lstStyle>
           <a:p>
             <a:r>
-              <a:rPr lang="en-US" smtClean="0"/>
+              <a:rPr lang="en-US"/>
               <a:t>Click to edit Master title style</a:t>
             </a:r>
-            <a:endParaRPr lang="en-US"/>
           </a:p>
         </p:txBody>
       </p:sp>
@@ -985,7 +986,7 @@
           <a:p>
             <a:pPr lvl="0"/>
             <a:r>
-              <a:rPr lang="en-US" smtClean="0"/>
+              <a:rPr lang="en-US"/>
               <a:t>Click to edit Master text styles</a:t>
             </a:r>
           </a:p>
@@ -1008,7 +1009,7 @@
           <a:p>
             <a:fld id="{14267557-AD8A-420F-B5EB-F302264C3D73}" type="datetimeFigureOut">
               <a:rPr lang="en-US" smtClean="0"/>
-              <a:t>11/16/2020</a:t>
+              <a:t>2/2/2021</a:t>
             </a:fld>
             <a:endParaRPr lang="en-US"/>
           </a:p>
@@ -1102,10 +1103,9 @@
           <a:lstStyle/>
           <a:p>
             <a:r>
-              <a:rPr lang="en-US" smtClean="0"/>
+              <a:rPr lang="en-US"/>
               <a:t>Click to edit Master title style</a:t>
             </a:r>
-            <a:endParaRPr lang="en-US"/>
           </a:p>
         </p:txBody>
       </p:sp>
@@ -1131,38 +1131,37 @@
           <a:p>
             <a:pPr lvl="0"/>
             <a:r>
-              <a:rPr lang="en-US" smtClean="0"/>
+              <a:rPr lang="en-US"/>
               <a:t>Click to edit Master text styles</a:t>
             </a:r>
           </a:p>
           <a:p>
             <a:pPr lvl="1"/>
             <a:r>
-              <a:rPr lang="en-US" smtClean="0"/>
+              <a:rPr lang="en-US"/>
               <a:t>Second level</a:t>
             </a:r>
           </a:p>
           <a:p>
             <a:pPr lvl="2"/>
             <a:r>
-              <a:rPr lang="en-US" smtClean="0"/>
+              <a:rPr lang="en-US"/>
               <a:t>Third level</a:t>
             </a:r>
           </a:p>
           <a:p>
             <a:pPr lvl="3"/>
             <a:r>
-              <a:rPr lang="en-US" smtClean="0"/>
+              <a:rPr lang="en-US"/>
               <a:t>Fourth level</a:t>
             </a:r>
           </a:p>
           <a:p>
             <a:pPr lvl="4"/>
             <a:r>
-              <a:rPr lang="en-US" smtClean="0"/>
+              <a:rPr lang="en-US"/>
               <a:t>Fifth level</a:t>
             </a:r>
-            <a:endParaRPr lang="en-US"/>
           </a:p>
         </p:txBody>
       </p:sp>
@@ -1188,38 +1187,37 @@
           <a:p>
             <a:pPr lvl="0"/>
             <a:r>
-              <a:rPr lang="en-US" smtClean="0"/>
+              <a:rPr lang="en-US"/>
               <a:t>Click to edit Master text styles</a:t>
             </a:r>
           </a:p>
           <a:p>
             <a:pPr lvl="1"/>
             <a:r>
-              <a:rPr lang="en-US" smtClean="0"/>
+              <a:rPr lang="en-US"/>
               <a:t>Second level</a:t>
             </a:r>
           </a:p>
           <a:p>
             <a:pPr lvl="2"/>
             <a:r>
-              <a:rPr lang="en-US" smtClean="0"/>
+              <a:rPr lang="en-US"/>
               <a:t>Third level</a:t>
             </a:r>
           </a:p>
           <a:p>
             <a:pPr lvl="3"/>
             <a:r>
-              <a:rPr lang="en-US" smtClean="0"/>
+              <a:rPr lang="en-US"/>
               <a:t>Fourth level</a:t>
             </a:r>
           </a:p>
           <a:p>
             <a:pPr lvl="4"/>
             <a:r>
-              <a:rPr lang="en-US" smtClean="0"/>
+              <a:rPr lang="en-US"/>
               <a:t>Fifth level</a:t>
             </a:r>
-            <a:endParaRPr lang="en-US"/>
           </a:p>
         </p:txBody>
       </p:sp>
@@ -1240,7 +1238,7 @@
           <a:p>
             <a:fld id="{14267557-AD8A-420F-B5EB-F302264C3D73}" type="datetimeFigureOut">
               <a:rPr lang="en-US" smtClean="0"/>
-              <a:t>11/16/2020</a:t>
+              <a:t>2/2/2021</a:t>
             </a:fld>
             <a:endParaRPr lang="en-US"/>
           </a:p>
@@ -1339,10 +1337,9 @@
           <a:lstStyle/>
           <a:p>
             <a:r>
-              <a:rPr lang="en-US" smtClean="0"/>
+              <a:rPr lang="en-US"/>
               <a:t>Click to edit Master title style</a:t>
             </a:r>
-            <a:endParaRPr lang="en-US"/>
           </a:p>
         </p:txBody>
       </p:sp>
@@ -1405,7 +1402,7 @@
           <a:p>
             <a:pPr lvl="0"/>
             <a:r>
-              <a:rPr lang="en-US" smtClean="0"/>
+              <a:rPr lang="en-US"/>
               <a:t>Click to edit Master text styles</a:t>
             </a:r>
           </a:p>
@@ -1433,38 +1430,37 @@
           <a:p>
             <a:pPr lvl="0"/>
             <a:r>
-              <a:rPr lang="en-US" smtClean="0"/>
+              <a:rPr lang="en-US"/>
               <a:t>Click to edit Master text styles</a:t>
             </a:r>
           </a:p>
           <a:p>
             <a:pPr lvl="1"/>
             <a:r>
-              <a:rPr lang="en-US" smtClean="0"/>
+              <a:rPr lang="en-US"/>
               <a:t>Second level</a:t>
             </a:r>
           </a:p>
           <a:p>
             <a:pPr lvl="2"/>
             <a:r>
-              <a:rPr lang="en-US" smtClean="0"/>
+              <a:rPr lang="en-US"/>
               <a:t>Third level</a:t>
             </a:r>
           </a:p>
           <a:p>
             <a:pPr lvl="3"/>
             <a:r>
-              <a:rPr lang="en-US" smtClean="0"/>
+              <a:rPr lang="en-US"/>
               <a:t>Fourth level</a:t>
             </a:r>
           </a:p>
           <a:p>
             <a:pPr lvl="4"/>
             <a:r>
-              <a:rPr lang="en-US" smtClean="0"/>
+              <a:rPr lang="en-US"/>
               <a:t>Fifth level</a:t>
             </a:r>
-            <a:endParaRPr lang="en-US"/>
           </a:p>
         </p:txBody>
       </p:sp>
@@ -1527,7 +1523,7 @@
           <a:p>
             <a:pPr lvl="0"/>
             <a:r>
-              <a:rPr lang="en-US" smtClean="0"/>
+              <a:rPr lang="en-US"/>
               <a:t>Click to edit Master text styles</a:t>
             </a:r>
           </a:p>
@@ -1555,38 +1551,37 @@
           <a:p>
             <a:pPr lvl="0"/>
             <a:r>
-              <a:rPr lang="en-US" smtClean="0"/>
+              <a:rPr lang="en-US"/>
               <a:t>Click to edit Master text styles</a:t>
             </a:r>
           </a:p>
           <a:p>
             <a:pPr lvl="1"/>
             <a:r>
-              <a:rPr lang="en-US" smtClean="0"/>
+              <a:rPr lang="en-US"/>
               <a:t>Second level</a:t>
             </a:r>
           </a:p>
           <a:p>
             <a:pPr lvl="2"/>
             <a:r>
-              <a:rPr lang="en-US" smtClean="0"/>
+              <a:rPr lang="en-US"/>
               <a:t>Third level</a:t>
             </a:r>
           </a:p>
           <a:p>
             <a:pPr lvl="3"/>
             <a:r>
-              <a:rPr lang="en-US" smtClean="0"/>
+              <a:rPr lang="en-US"/>
               <a:t>Fourth level</a:t>
             </a:r>
           </a:p>
           <a:p>
             <a:pPr lvl="4"/>
             <a:r>
-              <a:rPr lang="en-US" smtClean="0"/>
+              <a:rPr lang="en-US"/>
               <a:t>Fifth level</a:t>
             </a:r>
-            <a:endParaRPr lang="en-US"/>
           </a:p>
         </p:txBody>
       </p:sp>
@@ -1607,7 +1602,7 @@
           <a:p>
             <a:fld id="{14267557-AD8A-420F-B5EB-F302264C3D73}" type="datetimeFigureOut">
               <a:rPr lang="en-US" smtClean="0"/>
-              <a:t>11/16/2020</a:t>
+              <a:t>2/2/2021</a:t>
             </a:fld>
             <a:endParaRPr lang="en-US"/>
           </a:p>
@@ -1701,10 +1696,9 @@
           <a:lstStyle/>
           <a:p>
             <a:r>
-              <a:rPr lang="en-US" smtClean="0"/>
+              <a:rPr lang="en-US"/>
               <a:t>Click to edit Master title style</a:t>
             </a:r>
-            <a:endParaRPr lang="en-US"/>
           </a:p>
         </p:txBody>
       </p:sp>
@@ -1725,7 +1719,7 @@
           <a:p>
             <a:fld id="{14267557-AD8A-420F-B5EB-F302264C3D73}" type="datetimeFigureOut">
               <a:rPr lang="en-US" smtClean="0"/>
-              <a:t>11/16/2020</a:t>
+              <a:t>2/2/2021</a:t>
             </a:fld>
             <a:endParaRPr lang="en-US"/>
           </a:p>
@@ -1820,7 +1814,7 @@
           <a:p>
             <a:fld id="{14267557-AD8A-420F-B5EB-F302264C3D73}" type="datetimeFigureOut">
               <a:rPr lang="en-US" smtClean="0"/>
-              <a:t>11/16/2020</a:t>
+              <a:t>2/2/2021</a:t>
             </a:fld>
             <a:endParaRPr lang="en-US"/>
           </a:p>
@@ -1923,10 +1917,9 @@
           </a:lstStyle>
           <a:p>
             <a:r>
-              <a:rPr lang="en-US" smtClean="0"/>
+              <a:rPr lang="en-US"/>
               <a:t>Click to edit Master title style</a:t>
             </a:r>
-            <a:endParaRPr lang="en-US"/>
           </a:p>
         </p:txBody>
       </p:sp>
@@ -1980,38 +1973,37 @@
           <a:p>
             <a:pPr lvl="0"/>
             <a:r>
-              <a:rPr lang="en-US" smtClean="0"/>
+              <a:rPr lang="en-US"/>
               <a:t>Click to edit Master text styles</a:t>
             </a:r>
           </a:p>
           <a:p>
             <a:pPr lvl="1"/>
             <a:r>
-              <a:rPr lang="en-US" smtClean="0"/>
+              <a:rPr lang="en-US"/>
               <a:t>Second level</a:t>
             </a:r>
           </a:p>
           <a:p>
             <a:pPr lvl="2"/>
             <a:r>
-              <a:rPr lang="en-US" smtClean="0"/>
+              <a:rPr lang="en-US"/>
               <a:t>Third level</a:t>
             </a:r>
           </a:p>
           <a:p>
             <a:pPr lvl="3"/>
             <a:r>
-              <a:rPr lang="en-US" smtClean="0"/>
+              <a:rPr lang="en-US"/>
               <a:t>Fourth level</a:t>
             </a:r>
           </a:p>
           <a:p>
             <a:pPr lvl="4"/>
             <a:r>
-              <a:rPr lang="en-US" smtClean="0"/>
+              <a:rPr lang="en-US"/>
               <a:t>Fifth level</a:t>
             </a:r>
-            <a:endParaRPr lang="en-US"/>
           </a:p>
         </p:txBody>
       </p:sp>
@@ -2074,7 +2066,7 @@
           <a:p>
             <a:pPr lvl="0"/>
             <a:r>
-              <a:rPr lang="en-US" smtClean="0"/>
+              <a:rPr lang="en-US"/>
               <a:t>Click to edit Master text styles</a:t>
             </a:r>
           </a:p>
@@ -2097,7 +2089,7 @@
           <a:p>
             <a:fld id="{14267557-AD8A-420F-B5EB-F302264C3D73}" type="datetimeFigureOut">
               <a:rPr lang="en-US" smtClean="0"/>
-              <a:t>11/16/2020</a:t>
+              <a:t>2/2/2021</a:t>
             </a:fld>
             <a:endParaRPr lang="en-US"/>
           </a:p>
@@ -2200,10 +2192,9 @@
           </a:lstStyle>
           <a:p>
             <a:r>
-              <a:rPr lang="en-US" smtClean="0"/>
+              <a:rPr lang="en-US"/>
               <a:t>Click to edit Master title style</a:t>
             </a:r>
-            <a:endParaRPr lang="en-US"/>
           </a:p>
         </p:txBody>
       </p:sp>
@@ -2327,7 +2318,7 @@
           <a:p>
             <a:pPr lvl="0"/>
             <a:r>
-              <a:rPr lang="en-US" smtClean="0"/>
+              <a:rPr lang="en-US"/>
               <a:t>Click to edit Master text styles</a:t>
             </a:r>
           </a:p>
@@ -2350,7 +2341,7 @@
           <a:p>
             <a:fld id="{14267557-AD8A-420F-B5EB-F302264C3D73}" type="datetimeFigureOut">
               <a:rPr lang="en-US" smtClean="0"/>
-              <a:t>11/16/2020</a:t>
+              <a:t>2/2/2021</a:t>
             </a:fld>
             <a:endParaRPr lang="en-US"/>
           </a:p>
@@ -2459,10 +2450,9 @@
           <a:lstStyle/>
           <a:p>
             <a:r>
-              <a:rPr lang="en-US" smtClean="0"/>
+              <a:rPr lang="en-US"/>
               <a:t>Click to edit Master title style</a:t>
             </a:r>
-            <a:endParaRPr lang="en-US"/>
           </a:p>
         </p:txBody>
       </p:sp>
@@ -2493,38 +2483,37 @@
           <a:p>
             <a:pPr lvl="0"/>
             <a:r>
-              <a:rPr lang="en-US" smtClean="0"/>
+              <a:rPr lang="en-US"/>
               <a:t>Click to edit Master text styles</a:t>
             </a:r>
           </a:p>
           <a:p>
             <a:pPr lvl="1"/>
             <a:r>
-              <a:rPr lang="en-US" smtClean="0"/>
+              <a:rPr lang="en-US"/>
               <a:t>Second level</a:t>
             </a:r>
           </a:p>
           <a:p>
             <a:pPr lvl="2"/>
             <a:r>
-              <a:rPr lang="en-US" smtClean="0"/>
+              <a:rPr lang="en-US"/>
               <a:t>Third level</a:t>
             </a:r>
           </a:p>
           <a:p>
             <a:pPr lvl="3"/>
             <a:r>
-              <a:rPr lang="en-US" smtClean="0"/>
+              <a:rPr lang="en-US"/>
               <a:t>Fourth level</a:t>
             </a:r>
           </a:p>
           <a:p>
             <a:pPr lvl="4"/>
             <a:r>
-              <a:rPr lang="en-US" smtClean="0"/>
+              <a:rPr lang="en-US"/>
               <a:t>Fifth level</a:t>
             </a:r>
-            <a:endParaRPr lang="en-US"/>
           </a:p>
         </p:txBody>
       </p:sp>
@@ -2563,7 +2552,7 @@
           <a:p>
             <a:fld id="{14267557-AD8A-420F-B5EB-F302264C3D73}" type="datetimeFigureOut">
               <a:rPr lang="en-US" smtClean="0"/>
-              <a:t>11/16/2020</a:t>
+              <a:t>2/2/2021</a:t>
             </a:fld>
             <a:endParaRPr lang="en-US"/>
           </a:p>
@@ -3002,13 +2991,118 @@
   <p:clrMapOvr>
     <a:masterClrMapping/>
   </p:clrMapOvr>
-  <p:timing>
-    <p:tnLst>
-      <p:par>
-        <p:cTn id="1" dur="indefinite" restart="never" nodeType="tmRoot"/>
-      </p:par>
-    </p:tnLst>
-  </p:timing>
+</p:sld>
+</file>
+
+<file path=ppt/slides/slide10.xml><?xml version="1.0" encoding="utf-8"?>
+<p:sld xmlns:a="http://schemas.openxmlformats.org/drawingml/2006/main" xmlns:r="http://schemas.openxmlformats.org/officeDocument/2006/relationships" xmlns:p="http://schemas.openxmlformats.org/presentationml/2006/main">
+  <p:cSld>
+    <p:spTree>
+      <p:nvGrpSpPr>
+        <p:cNvPr id="1" name=""/>
+        <p:cNvGrpSpPr/>
+        <p:nvPr/>
+      </p:nvGrpSpPr>
+      <p:grpSpPr>
+        <a:xfrm>
+          <a:off x="0" y="0"/>
+          <a:ext cx="0" cy="0"/>
+          <a:chOff x="0" y="0"/>
+          <a:chExt cx="0" cy="0"/>
+        </a:xfrm>
+      </p:grpSpPr>
+      <p:pic>
+        <p:nvPicPr>
+          <p:cNvPr id="4" name="Resim 3">
+            <a:extLst>
+              <a:ext uri="{FF2B5EF4-FFF2-40B4-BE49-F238E27FC236}">
+                <a16:creationId xmlns:a16="http://schemas.microsoft.com/office/drawing/2014/main" id="{CCD27A6C-C08F-4C39-82E5-C025D5D68D10}"/>
+              </a:ext>
+            </a:extLst>
+          </p:cNvPr>
+          <p:cNvPicPr>
+            <a:picLocks noChangeAspect="1"/>
+          </p:cNvPicPr>
+          <p:nvPr/>
+        </p:nvPicPr>
+        <p:blipFill>
+          <a:blip r:embed="rId2"/>
+          <a:stretch>
+            <a:fillRect/>
+          </a:stretch>
+        </p:blipFill>
+        <p:spPr>
+          <a:xfrm>
+            <a:off x="588645" y="366126"/>
+            <a:ext cx="10648950" cy="1933575"/>
+          </a:xfrm>
+          <a:prstGeom prst="rect">
+            <a:avLst/>
+          </a:prstGeom>
+        </p:spPr>
+      </p:pic>
+      <p:sp>
+        <p:nvSpPr>
+          <p:cNvPr id="5" name="Dikdörtgen 4">
+            <a:extLst>
+              <a:ext uri="{FF2B5EF4-FFF2-40B4-BE49-F238E27FC236}">
+                <a16:creationId xmlns:a16="http://schemas.microsoft.com/office/drawing/2014/main" id="{23A5FD79-A441-4C74-B902-740E6F262242}"/>
+              </a:ext>
+            </a:extLst>
+          </p:cNvPr>
+          <p:cNvSpPr/>
+          <p:nvPr/>
+        </p:nvSpPr>
+        <p:spPr>
+          <a:xfrm>
+            <a:off x="780951" y="1209822"/>
+            <a:ext cx="1596488" cy="478302"/>
+          </a:xfrm>
+          <a:prstGeom prst="rect">
+            <a:avLst/>
+          </a:prstGeom>
+          <a:noFill/>
+          <a:ln>
+            <a:solidFill>
+              <a:srgbClr val="FF0000"/>
+            </a:solidFill>
+          </a:ln>
+        </p:spPr>
+        <p:style>
+          <a:lnRef idx="2">
+            <a:schemeClr val="accent1">
+              <a:shade val="50000"/>
+            </a:schemeClr>
+          </a:lnRef>
+          <a:fillRef idx="1">
+            <a:schemeClr val="accent1"/>
+          </a:fillRef>
+          <a:effectRef idx="0">
+            <a:schemeClr val="accent1"/>
+          </a:effectRef>
+          <a:fontRef idx="minor">
+            <a:schemeClr val="lt1"/>
+          </a:fontRef>
+        </p:style>
+        <p:txBody>
+          <a:bodyPr rtlCol="0" anchor="ctr"/>
+          <a:lstStyle/>
+          <a:p>
+            <a:pPr algn="ctr"/>
+            <a:endParaRPr lang="tr-TR"/>
+          </a:p>
+        </p:txBody>
+      </p:sp>
+    </p:spTree>
+    <p:extLst>
+      <p:ext uri="{BB962C8B-B14F-4D97-AF65-F5344CB8AC3E}">
+        <p14:creationId xmlns:p14="http://schemas.microsoft.com/office/powerpoint/2010/main" val="281552888"/>
+      </p:ext>
+    </p:extLst>
+  </p:cSld>
+  <p:clrMapOvr>
+    <a:masterClrMapping/>
+  </p:clrMapOvr>
 </p:sld>
 </file>
 
@@ -3063,13 +3157,6 @@
   <p:clrMapOvr>
     <a:masterClrMapping/>
   </p:clrMapOvr>
-  <p:timing>
-    <p:tnLst>
-      <p:par>
-        <p:cTn id="1" dur="indefinite" restart="never" nodeType="tmRoot"/>
-      </p:par>
-    </p:tnLst>
-  </p:timing>
 </p:sld>
 </file>
 
@@ -3124,13 +3211,6 @@
   <p:clrMapOvr>
     <a:masterClrMapping/>
   </p:clrMapOvr>
-  <p:timing>
-    <p:tnLst>
-      <p:par>
-        <p:cTn id="1" dur="indefinite" restart="never" nodeType="tmRoot"/>
-      </p:par>
-    </p:tnLst>
-  </p:timing>
 </p:sld>
 </file>
 
@@ -3185,13 +3265,6 @@
   <p:clrMapOvr>
     <a:masterClrMapping/>
   </p:clrMapOvr>
-  <p:timing>
-    <p:tnLst>
-      <p:par>
-        <p:cTn id="1" dur="indefinite" restart="never" nodeType="tmRoot"/>
-      </p:par>
-    </p:tnLst>
-  </p:timing>
 </p:sld>
 </file>
 
@@ -3246,13 +3319,410 @@
   <p:clrMapOvr>
     <a:masterClrMapping/>
   </p:clrMapOvr>
-  <p:timing>
-    <p:tnLst>
-      <p:par>
-        <p:cTn id="1" dur="indefinite" restart="never" nodeType="tmRoot"/>
-      </p:par>
-    </p:tnLst>
-  </p:timing>
+</p:sld>
+</file>
+
+<file path=ppt/slides/slide6.xml><?xml version="1.0" encoding="utf-8"?>
+<p:sld xmlns:a="http://schemas.openxmlformats.org/drawingml/2006/main" xmlns:r="http://schemas.openxmlformats.org/officeDocument/2006/relationships" xmlns:p="http://schemas.openxmlformats.org/presentationml/2006/main">
+  <p:cSld>
+    <p:spTree>
+      <p:nvGrpSpPr>
+        <p:cNvPr id="1" name=""/>
+        <p:cNvGrpSpPr/>
+        <p:nvPr/>
+      </p:nvGrpSpPr>
+      <p:grpSpPr>
+        <a:xfrm>
+          <a:off x="0" y="0"/>
+          <a:ext cx="0" cy="0"/>
+          <a:chOff x="0" y="0"/>
+          <a:chExt cx="0" cy="0"/>
+        </a:xfrm>
+      </p:grpSpPr>
+      <p:pic>
+        <p:nvPicPr>
+          <p:cNvPr id="6" name="Resim 5">
+            <a:extLst>
+              <a:ext uri="{FF2B5EF4-FFF2-40B4-BE49-F238E27FC236}">
+                <a16:creationId xmlns:a16="http://schemas.microsoft.com/office/drawing/2014/main" id="{6DC717B2-EC7C-4A71-8D3C-D3E1ACC5D6B7}"/>
+              </a:ext>
+            </a:extLst>
+          </p:cNvPr>
+          <p:cNvPicPr>
+            <a:picLocks noChangeAspect="1"/>
+          </p:cNvPicPr>
+          <p:nvPr/>
+        </p:nvPicPr>
+        <p:blipFill>
+          <a:blip r:embed="rId2"/>
+          <a:stretch>
+            <a:fillRect/>
+          </a:stretch>
+        </p:blipFill>
+        <p:spPr>
+          <a:xfrm>
+            <a:off x="1959001" y="1350352"/>
+            <a:ext cx="3857625" cy="4438650"/>
+          </a:xfrm>
+          <a:prstGeom prst="rect">
+            <a:avLst/>
+          </a:prstGeom>
+        </p:spPr>
+      </p:pic>
+      <p:pic>
+        <p:nvPicPr>
+          <p:cNvPr id="7" name="Resim 6">
+            <a:extLst>
+              <a:ext uri="{FF2B5EF4-FFF2-40B4-BE49-F238E27FC236}">
+                <a16:creationId xmlns:a16="http://schemas.microsoft.com/office/drawing/2014/main" id="{2EC7861B-BDD7-4F6F-BF0A-AE60858F09A5}"/>
+              </a:ext>
+            </a:extLst>
+          </p:cNvPr>
+          <p:cNvPicPr>
+            <a:picLocks noChangeAspect="1"/>
+          </p:cNvPicPr>
+          <p:nvPr/>
+        </p:nvPicPr>
+        <p:blipFill>
+          <a:blip r:embed="rId3"/>
+          <a:stretch>
+            <a:fillRect/>
+          </a:stretch>
+        </p:blipFill>
+        <p:spPr>
+          <a:xfrm>
+            <a:off x="6375375" y="1671490"/>
+            <a:ext cx="3914775" cy="2924175"/>
+          </a:xfrm>
+          <a:prstGeom prst="rect">
+            <a:avLst/>
+          </a:prstGeom>
+        </p:spPr>
+      </p:pic>
+    </p:spTree>
+    <p:extLst>
+      <p:ext uri="{BB962C8B-B14F-4D97-AF65-F5344CB8AC3E}">
+        <p14:creationId xmlns:p14="http://schemas.microsoft.com/office/powerpoint/2010/main" val="2957536990"/>
+      </p:ext>
+    </p:extLst>
+  </p:cSld>
+  <p:clrMapOvr>
+    <a:masterClrMapping/>
+  </p:clrMapOvr>
+</p:sld>
+</file>
+
+<file path=ppt/slides/slide7.xml><?xml version="1.0" encoding="utf-8"?>
+<p:sld xmlns:a="http://schemas.openxmlformats.org/drawingml/2006/main" xmlns:r="http://schemas.openxmlformats.org/officeDocument/2006/relationships" xmlns:p="http://schemas.openxmlformats.org/presentationml/2006/main">
+  <p:cSld>
+    <p:spTree>
+      <p:nvGrpSpPr>
+        <p:cNvPr id="1" name=""/>
+        <p:cNvGrpSpPr/>
+        <p:nvPr/>
+      </p:nvGrpSpPr>
+      <p:grpSpPr>
+        <a:xfrm>
+          <a:off x="0" y="0"/>
+          <a:ext cx="0" cy="0"/>
+          <a:chOff x="0" y="0"/>
+          <a:chExt cx="0" cy="0"/>
+        </a:xfrm>
+      </p:grpSpPr>
+      <p:pic>
+        <p:nvPicPr>
+          <p:cNvPr id="4" name="Resim 3">
+            <a:extLst>
+              <a:ext uri="{FF2B5EF4-FFF2-40B4-BE49-F238E27FC236}">
+                <a16:creationId xmlns:a16="http://schemas.microsoft.com/office/drawing/2014/main" id="{C0314662-3320-4D58-934A-DCE5BE7410DA}"/>
+              </a:ext>
+            </a:extLst>
+          </p:cNvPr>
+          <p:cNvPicPr>
+            <a:picLocks noChangeAspect="1"/>
+          </p:cNvPicPr>
+          <p:nvPr/>
+        </p:nvPicPr>
+        <p:blipFill>
+          <a:blip r:embed="rId2"/>
+          <a:stretch>
+            <a:fillRect/>
+          </a:stretch>
+        </p:blipFill>
+        <p:spPr>
+          <a:xfrm>
+            <a:off x="576262" y="763538"/>
+            <a:ext cx="11039475" cy="5133975"/>
+          </a:xfrm>
+          <a:prstGeom prst="rect">
+            <a:avLst/>
+          </a:prstGeom>
+        </p:spPr>
+      </p:pic>
+    </p:spTree>
+    <p:extLst>
+      <p:ext uri="{BB962C8B-B14F-4D97-AF65-F5344CB8AC3E}">
+        <p14:creationId xmlns:p14="http://schemas.microsoft.com/office/powerpoint/2010/main" val="2634834461"/>
+      </p:ext>
+    </p:extLst>
+  </p:cSld>
+  <p:clrMapOvr>
+    <a:masterClrMapping/>
+  </p:clrMapOvr>
+</p:sld>
+</file>
+
+<file path=ppt/slides/slide8.xml><?xml version="1.0" encoding="utf-8"?>
+<p:sld xmlns:a="http://schemas.openxmlformats.org/drawingml/2006/main" xmlns:r="http://schemas.openxmlformats.org/officeDocument/2006/relationships" xmlns:p="http://schemas.openxmlformats.org/presentationml/2006/main">
+  <p:cSld>
+    <p:spTree>
+      <p:nvGrpSpPr>
+        <p:cNvPr id="1" name=""/>
+        <p:cNvGrpSpPr/>
+        <p:nvPr/>
+      </p:nvGrpSpPr>
+      <p:grpSpPr>
+        <a:xfrm>
+          <a:off x="0" y="0"/>
+          <a:ext cx="0" cy="0"/>
+          <a:chOff x="0" y="0"/>
+          <a:chExt cx="0" cy="0"/>
+        </a:xfrm>
+      </p:grpSpPr>
+      <p:pic>
+        <p:nvPicPr>
+          <p:cNvPr id="4" name="Resim 3">
+            <a:extLst>
+              <a:ext uri="{FF2B5EF4-FFF2-40B4-BE49-F238E27FC236}">
+                <a16:creationId xmlns:a16="http://schemas.microsoft.com/office/drawing/2014/main" id="{6FA034BD-87BC-4B0D-BC42-665B4C95596F}"/>
+              </a:ext>
+            </a:extLst>
+          </p:cNvPr>
+          <p:cNvPicPr>
+            <a:picLocks noChangeAspect="1"/>
+          </p:cNvPicPr>
+          <p:nvPr/>
+        </p:nvPicPr>
+        <p:blipFill>
+          <a:blip r:embed="rId2"/>
+          <a:stretch>
+            <a:fillRect/>
+          </a:stretch>
+        </p:blipFill>
+        <p:spPr>
+          <a:xfrm>
+            <a:off x="1224218" y="142948"/>
+            <a:ext cx="9743563" cy="3691131"/>
+          </a:xfrm>
+          <a:prstGeom prst="rect">
+            <a:avLst/>
+          </a:prstGeom>
+        </p:spPr>
+      </p:pic>
+      <p:pic>
+        <p:nvPicPr>
+          <p:cNvPr id="5" name="Resim 4">
+            <a:extLst>
+              <a:ext uri="{FF2B5EF4-FFF2-40B4-BE49-F238E27FC236}">
+                <a16:creationId xmlns:a16="http://schemas.microsoft.com/office/drawing/2014/main" id="{2517E207-F6B8-4DED-976B-F79B5FA5EDA1}"/>
+              </a:ext>
+            </a:extLst>
+          </p:cNvPr>
+          <p:cNvPicPr>
+            <a:picLocks noChangeAspect="1"/>
+          </p:cNvPicPr>
+          <p:nvPr/>
+        </p:nvPicPr>
+        <p:blipFill>
+          <a:blip r:embed="rId3"/>
+          <a:stretch>
+            <a:fillRect/>
+          </a:stretch>
+        </p:blipFill>
+        <p:spPr>
+          <a:xfrm>
+            <a:off x="1224218" y="4380107"/>
+            <a:ext cx="9743563" cy="992890"/>
+          </a:xfrm>
+          <a:prstGeom prst="rect">
+            <a:avLst/>
+          </a:prstGeom>
+        </p:spPr>
+      </p:pic>
+      <p:sp>
+        <p:nvSpPr>
+          <p:cNvPr id="6" name="Dikdörtgen 5">
+            <a:extLst>
+              <a:ext uri="{FF2B5EF4-FFF2-40B4-BE49-F238E27FC236}">
+                <a16:creationId xmlns:a16="http://schemas.microsoft.com/office/drawing/2014/main" id="{9709D9B9-B98D-44BA-91B2-5BC1AFAB841C}"/>
+              </a:ext>
+            </a:extLst>
+          </p:cNvPr>
+          <p:cNvSpPr/>
+          <p:nvPr/>
+        </p:nvSpPr>
+        <p:spPr>
+          <a:xfrm>
+            <a:off x="1941342" y="4380107"/>
+            <a:ext cx="858129" cy="992890"/>
+          </a:xfrm>
+          <a:prstGeom prst="rect">
+            <a:avLst/>
+          </a:prstGeom>
+          <a:noFill/>
+          <a:ln>
+            <a:solidFill>
+              <a:srgbClr val="FF0000"/>
+            </a:solidFill>
+          </a:ln>
+        </p:spPr>
+        <p:style>
+          <a:lnRef idx="2">
+            <a:schemeClr val="accent1">
+              <a:shade val="50000"/>
+            </a:schemeClr>
+          </a:lnRef>
+          <a:fillRef idx="1">
+            <a:schemeClr val="accent1"/>
+          </a:fillRef>
+          <a:effectRef idx="0">
+            <a:schemeClr val="accent1"/>
+          </a:effectRef>
+          <a:fontRef idx="minor">
+            <a:schemeClr val="lt1"/>
+          </a:fontRef>
+        </p:style>
+        <p:txBody>
+          <a:bodyPr rtlCol="0" anchor="ctr"/>
+          <a:lstStyle/>
+          <a:p>
+            <a:pPr algn="ctr"/>
+            <a:endParaRPr lang="tr-TR"/>
+          </a:p>
+        </p:txBody>
+      </p:sp>
+    </p:spTree>
+    <p:extLst>
+      <p:ext uri="{BB962C8B-B14F-4D97-AF65-F5344CB8AC3E}">
+        <p14:creationId xmlns:p14="http://schemas.microsoft.com/office/powerpoint/2010/main" val="3832938570"/>
+      </p:ext>
+    </p:extLst>
+  </p:cSld>
+  <p:clrMapOvr>
+    <a:masterClrMapping/>
+  </p:clrMapOvr>
+</p:sld>
+</file>
+
+<file path=ppt/slides/slide9.xml><?xml version="1.0" encoding="utf-8"?>
+<p:sld xmlns:a="http://schemas.openxmlformats.org/drawingml/2006/main" xmlns:r="http://schemas.openxmlformats.org/officeDocument/2006/relationships" xmlns:p="http://schemas.openxmlformats.org/presentationml/2006/main">
+  <p:cSld>
+    <p:spTree>
+      <p:nvGrpSpPr>
+        <p:cNvPr id="1" name=""/>
+        <p:cNvGrpSpPr/>
+        <p:nvPr/>
+      </p:nvGrpSpPr>
+      <p:grpSpPr>
+        <a:xfrm>
+          <a:off x="0" y="0"/>
+          <a:ext cx="0" cy="0"/>
+          <a:chOff x="0" y="0"/>
+          <a:chExt cx="0" cy="0"/>
+        </a:xfrm>
+      </p:grpSpPr>
+      <p:pic>
+        <p:nvPicPr>
+          <p:cNvPr id="4" name="Resim 3">
+            <a:extLst>
+              <a:ext uri="{FF2B5EF4-FFF2-40B4-BE49-F238E27FC236}">
+                <a16:creationId xmlns:a16="http://schemas.microsoft.com/office/drawing/2014/main" id="{C9C44CD2-A37B-46F9-A13E-B1CDE94B0434}"/>
+              </a:ext>
+            </a:extLst>
+          </p:cNvPr>
+          <p:cNvPicPr>
+            <a:picLocks noChangeAspect="1"/>
+          </p:cNvPicPr>
+          <p:nvPr/>
+        </p:nvPicPr>
+        <p:blipFill>
+          <a:blip r:embed="rId2"/>
+          <a:stretch>
+            <a:fillRect/>
+          </a:stretch>
+        </p:blipFill>
+        <p:spPr>
+          <a:xfrm>
+            <a:off x="147637" y="684212"/>
+            <a:ext cx="11896725" cy="3990975"/>
+          </a:xfrm>
+          <a:prstGeom prst="rect">
+            <a:avLst/>
+          </a:prstGeom>
+        </p:spPr>
+      </p:pic>
+      <p:sp>
+        <p:nvSpPr>
+          <p:cNvPr id="5" name="Dikdörtgen 4">
+            <a:extLst>
+              <a:ext uri="{FF2B5EF4-FFF2-40B4-BE49-F238E27FC236}">
+                <a16:creationId xmlns:a16="http://schemas.microsoft.com/office/drawing/2014/main" id="{B031126C-9ACA-4080-865B-8DE516863E19}"/>
+              </a:ext>
+            </a:extLst>
+          </p:cNvPr>
+          <p:cNvSpPr/>
+          <p:nvPr/>
+        </p:nvSpPr>
+        <p:spPr>
+          <a:xfrm>
+            <a:off x="4635500" y="2286000"/>
+            <a:ext cx="3352800" cy="596900"/>
+          </a:xfrm>
+          <a:prstGeom prst="rect">
+            <a:avLst/>
+          </a:prstGeom>
+          <a:noFill/>
+          <a:ln>
+            <a:solidFill>
+              <a:srgbClr val="FF0000"/>
+            </a:solidFill>
+          </a:ln>
+        </p:spPr>
+        <p:style>
+          <a:lnRef idx="2">
+            <a:schemeClr val="accent1">
+              <a:shade val="50000"/>
+            </a:schemeClr>
+          </a:lnRef>
+          <a:fillRef idx="1">
+            <a:schemeClr val="accent1"/>
+          </a:fillRef>
+          <a:effectRef idx="0">
+            <a:schemeClr val="accent1"/>
+          </a:effectRef>
+          <a:fontRef idx="minor">
+            <a:schemeClr val="lt1"/>
+          </a:fontRef>
+        </p:style>
+        <p:txBody>
+          <a:bodyPr rtlCol="0" anchor="ctr"/>
+          <a:lstStyle/>
+          <a:p>
+            <a:pPr algn="ctr"/>
+            <a:endParaRPr lang="tr-TR"/>
+          </a:p>
+        </p:txBody>
+      </p:sp>
+    </p:spTree>
+    <p:extLst>
+      <p:ext uri="{BB962C8B-B14F-4D97-AF65-F5344CB8AC3E}">
+        <p14:creationId xmlns:p14="http://schemas.microsoft.com/office/powerpoint/2010/main" val="1234568117"/>
+      </p:ext>
+    </p:extLst>
+  </p:cSld>
+  <p:clrMapOvr>
+    <a:masterClrMapping/>
+  </p:clrMapOvr>
 </p:sld>
 </file>
 
